--- a/crash-course-on-data-science/git.pptx
+++ b/crash-course-on-data-science/git.pptx
@@ -5,7 +5,7 @@
     <p:sldMasterId id="2147483648" r:id="rId1"/>
   </p:sldMasterIdLst>
   <p:notesMasterIdLst>
-    <p:notesMasterId r:id="rId14"/>
+    <p:notesMasterId r:id="rId15"/>
   </p:notesMasterIdLst>
   <p:sldIdLst>
     <p:sldId id="256" r:id="rId2"/>
@@ -17,9 +17,10 @@
     <p:sldId id="266" r:id="rId8"/>
     <p:sldId id="263" r:id="rId9"/>
     <p:sldId id="264" r:id="rId10"/>
-    <p:sldId id="265" r:id="rId11"/>
-    <p:sldId id="267" r:id="rId12"/>
-    <p:sldId id="258" r:id="rId13"/>
+    <p:sldId id="268" r:id="rId11"/>
+    <p:sldId id="265" r:id="rId12"/>
+    <p:sldId id="267" r:id="rId13"/>
+    <p:sldId id="258" r:id="rId14"/>
   </p:sldIdLst>
   <p:sldSz cx="12192000" cy="6858000"/>
   <p:notesSz cx="6858000" cy="9144000"/>
@@ -3277,7 +3278,7 @@
           <p:cNvPr id="2" name="Titre 1">
             <a:extLst>
               <a:ext uri="{FF2B5EF4-FFF2-40B4-BE49-F238E27FC236}">
-                <a16:creationId xmlns:a16="http://schemas.microsoft.com/office/drawing/2014/main" id="{775135B0-AC09-4168-971D-16D2252BD436}"/>
+                <a16:creationId xmlns:a16="http://schemas.microsoft.com/office/drawing/2014/main" id="{835067AC-FCB5-424B-807C-FE32EF5F4043}"/>
               </a:ext>
             </a:extLst>
           </p:cNvPr>
@@ -3295,7 +3296,7 @@
           <a:p>
             <a:r>
               <a:rPr lang="en-US" dirty="0"/>
-              <a:t>Advanced use: pull requests</a:t>
+              <a:t>Advanced use: issues</a:t>
             </a:r>
           </a:p>
         </p:txBody>
@@ -3305,7 +3306,7 @@
           <p:cNvPr id="3" name="Espace réservé du contenu 2">
             <a:extLst>
               <a:ext uri="{FF2B5EF4-FFF2-40B4-BE49-F238E27FC236}">
-                <a16:creationId xmlns:a16="http://schemas.microsoft.com/office/drawing/2014/main" id="{4A9D3C53-BE44-4E3C-9444-94DF3681B0A4}"/>
+                <a16:creationId xmlns:a16="http://schemas.microsoft.com/office/drawing/2014/main" id="{D671135B-EC76-49E5-B0EF-C94150C27436}"/>
               </a:ext>
             </a:extLst>
           </p:cNvPr>
@@ -3323,25 +3324,29 @@
           <a:p>
             <a:r>
               <a:rPr lang="en-US" dirty="0"/>
-              <a:t>Ask for permission: “Can I merge these changes?”</a:t>
+              <a:t>This is more of a GitHub use than git</a:t>
             </a:r>
           </a:p>
           <a:p>
             <a:pPr lvl="1"/>
             <a:r>
               <a:rPr lang="en-US" dirty="0"/>
-              <a:t>Require review from repo owners</a:t>
+              <a:t>If you are using a package and you identify a problem</a:t>
             </a:r>
           </a:p>
           <a:p>
             <a:pPr lvl="1"/>
             <a:r>
               <a:rPr lang="en-US" dirty="0"/>
-              <a:t>I used this feature </a:t>
+              <a:t>You can </a:t>
             </a:r>
             <a:r>
               <a:rPr lang="en-US" b="1" dirty="0"/>
-              <a:t>twice</a:t>
+              <a:t>open an issue</a:t>
+            </a:r>
+            <a:r>
+              <a:rPr lang="en-US" dirty="0"/>
+              <a:t> on their repository page</a:t>
             </a:r>
           </a:p>
         </p:txBody>
@@ -3351,7 +3356,7 @@
           <p:cNvPr id="4" name="Espace réservé du numéro de diapositive 3">
             <a:extLst>
               <a:ext uri="{FF2B5EF4-FFF2-40B4-BE49-F238E27FC236}">
-                <a16:creationId xmlns:a16="http://schemas.microsoft.com/office/drawing/2014/main" id="{218EA83B-BF9C-4097-BD5F-BE2FD61BA50C}"/>
+                <a16:creationId xmlns:a16="http://schemas.microsoft.com/office/drawing/2014/main" id="{4685AED7-F173-4E68-9F8B-1099DC90BE4F}"/>
               </a:ext>
             </a:extLst>
           </p:cNvPr>
@@ -3371,6 +3376,199 @@
               <a:rPr lang="en-US" smtClean="0"/>
               <a:pPr/>
               <a:t>10</a:t>
+            </a:fld>
+            <a:endParaRPr lang="en-US" dirty="0"/>
+          </a:p>
+        </p:txBody>
+      </p:sp>
+      <p:sp>
+        <p:nvSpPr>
+          <p:cNvPr id="5" name="Espace réservé du pied de page 4">
+            <a:extLst>
+              <a:ext uri="{FF2B5EF4-FFF2-40B4-BE49-F238E27FC236}">
+                <a16:creationId xmlns:a16="http://schemas.microsoft.com/office/drawing/2014/main" id="{CD5B27AA-DFF5-47AE-A036-E0B8AC41984C}"/>
+              </a:ext>
+            </a:extLst>
+          </p:cNvPr>
+          <p:cNvSpPr>
+            <a:spLocks noGrp="1"/>
+          </p:cNvSpPr>
+          <p:nvPr>
+            <p:ph type="ftr" sz="quarter" idx="3"/>
+          </p:nvPr>
+        </p:nvSpPr>
+        <p:spPr/>
+        <p:txBody>
+          <a:bodyPr/>
+          <a:lstStyle/>
+          <a:p>
+            <a:r>
+              <a:rPr lang="en-US"/>
+              <a:t>alberto.tonda@inrae.fr</a:t>
+            </a:r>
+            <a:endParaRPr lang="en-US" dirty="0"/>
+          </a:p>
+        </p:txBody>
+      </p:sp>
+      <p:pic>
+        <p:nvPicPr>
+          <p:cNvPr id="7" name="Image 6">
+            <a:extLst>
+              <a:ext uri="{FF2B5EF4-FFF2-40B4-BE49-F238E27FC236}">
+                <a16:creationId xmlns:a16="http://schemas.microsoft.com/office/drawing/2014/main" id="{76563D0D-6FF3-46C2-A774-B53D221E3407}"/>
+              </a:ext>
+            </a:extLst>
+          </p:cNvPr>
+          <p:cNvPicPr>
+            <a:picLocks noChangeAspect="1"/>
+          </p:cNvPicPr>
+          <p:nvPr/>
+        </p:nvPicPr>
+        <p:blipFill>
+          <a:blip r:embed="rId2"/>
+          <a:stretch>
+            <a:fillRect/>
+          </a:stretch>
+        </p:blipFill>
+        <p:spPr>
+          <a:xfrm>
+            <a:off x="6096000" y="2985896"/>
+            <a:ext cx="5666474" cy="3191067"/>
+          </a:xfrm>
+          <a:prstGeom prst="rect">
+            <a:avLst/>
+          </a:prstGeom>
+        </p:spPr>
+      </p:pic>
+    </p:spTree>
+    <p:extLst>
+      <p:ext uri="{BB962C8B-B14F-4D97-AF65-F5344CB8AC3E}">
+        <p14:creationId xmlns:p14="http://schemas.microsoft.com/office/powerpoint/2010/main" val="2082841617"/>
+      </p:ext>
+    </p:extLst>
+  </p:cSld>
+  <p:clrMapOvr>
+    <a:masterClrMapping/>
+  </p:clrMapOvr>
+</p:sld>
+</file>
+
+<file path=ppt/slides/slide11.xml><?xml version="1.0" encoding="utf-8"?>
+<p:sld xmlns:a="http://schemas.openxmlformats.org/drawingml/2006/main" xmlns:r="http://schemas.openxmlformats.org/officeDocument/2006/relationships" xmlns:p="http://schemas.openxmlformats.org/presentationml/2006/main">
+  <p:cSld>
+    <p:spTree>
+      <p:nvGrpSpPr>
+        <p:cNvPr id="1" name=""/>
+        <p:cNvGrpSpPr/>
+        <p:nvPr/>
+      </p:nvGrpSpPr>
+      <p:grpSpPr>
+        <a:xfrm>
+          <a:off x="0" y="0"/>
+          <a:ext cx="0" cy="0"/>
+          <a:chOff x="0" y="0"/>
+          <a:chExt cx="0" cy="0"/>
+        </a:xfrm>
+      </p:grpSpPr>
+      <p:sp>
+        <p:nvSpPr>
+          <p:cNvPr id="2" name="Titre 1">
+            <a:extLst>
+              <a:ext uri="{FF2B5EF4-FFF2-40B4-BE49-F238E27FC236}">
+                <a16:creationId xmlns:a16="http://schemas.microsoft.com/office/drawing/2014/main" id="{775135B0-AC09-4168-971D-16D2252BD436}"/>
+              </a:ext>
+            </a:extLst>
+          </p:cNvPr>
+          <p:cNvSpPr>
+            <a:spLocks noGrp="1"/>
+          </p:cNvSpPr>
+          <p:nvPr>
+            <p:ph type="title"/>
+          </p:nvPr>
+        </p:nvSpPr>
+        <p:spPr/>
+        <p:txBody>
+          <a:bodyPr/>
+          <a:lstStyle/>
+          <a:p>
+            <a:r>
+              <a:rPr lang="en-US" dirty="0"/>
+              <a:t>Advanced use: pull requests</a:t>
+            </a:r>
+          </a:p>
+        </p:txBody>
+      </p:sp>
+      <p:sp>
+        <p:nvSpPr>
+          <p:cNvPr id="3" name="Espace réservé du contenu 2">
+            <a:extLst>
+              <a:ext uri="{FF2B5EF4-FFF2-40B4-BE49-F238E27FC236}">
+                <a16:creationId xmlns:a16="http://schemas.microsoft.com/office/drawing/2014/main" id="{4A9D3C53-BE44-4E3C-9444-94DF3681B0A4}"/>
+              </a:ext>
+            </a:extLst>
+          </p:cNvPr>
+          <p:cNvSpPr>
+            <a:spLocks noGrp="1"/>
+          </p:cNvSpPr>
+          <p:nvPr>
+            <p:ph idx="1"/>
+          </p:nvPr>
+        </p:nvSpPr>
+        <p:spPr/>
+        <p:txBody>
+          <a:bodyPr/>
+          <a:lstStyle/>
+          <a:p>
+            <a:r>
+              <a:rPr lang="en-US" dirty="0"/>
+              <a:t>Ask for permission: “Can I merge these changes?”</a:t>
+            </a:r>
+          </a:p>
+          <a:p>
+            <a:pPr lvl="1"/>
+            <a:r>
+              <a:rPr lang="en-US" dirty="0"/>
+              <a:t>Require review from repo owners</a:t>
+            </a:r>
+          </a:p>
+          <a:p>
+            <a:pPr lvl="1"/>
+            <a:r>
+              <a:rPr lang="en-US" dirty="0"/>
+              <a:t>I used this feature </a:t>
+            </a:r>
+            <a:r>
+              <a:rPr lang="en-US" b="1" dirty="0"/>
+              <a:t>twice</a:t>
+            </a:r>
+          </a:p>
+        </p:txBody>
+      </p:sp>
+      <p:sp>
+        <p:nvSpPr>
+          <p:cNvPr id="4" name="Espace réservé du numéro de diapositive 3">
+            <a:extLst>
+              <a:ext uri="{FF2B5EF4-FFF2-40B4-BE49-F238E27FC236}">
+                <a16:creationId xmlns:a16="http://schemas.microsoft.com/office/drawing/2014/main" id="{218EA83B-BF9C-4097-BD5F-BE2FD61BA50C}"/>
+              </a:ext>
+            </a:extLst>
+          </p:cNvPr>
+          <p:cNvSpPr>
+            <a:spLocks noGrp="1"/>
+          </p:cNvSpPr>
+          <p:nvPr>
+            <p:ph type="sldNum" sz="quarter" idx="12"/>
+          </p:nvPr>
+        </p:nvSpPr>
+        <p:spPr/>
+        <p:txBody>
+          <a:bodyPr/>
+          <a:lstStyle/>
+          <a:p>
+            <a:fld id="{19485C6F-9B8D-4FB9-A42B-A9ABFED612B1}" type="slidenum">
+              <a:rPr lang="en-US" smtClean="0"/>
+              <a:pPr/>
+              <a:t>11</a:t>
             </a:fld>
             <a:endParaRPr lang="en-US" dirty="0"/>
           </a:p>
@@ -3478,7 +3676,7 @@
 </p:sld>
 </file>
 
-<file path=ppt/slides/slide11.xml><?xml version="1.0" encoding="utf-8"?>
+<file path=ppt/slides/slide12.xml><?xml version="1.0" encoding="utf-8"?>
 <p:sld xmlns:a="http://schemas.openxmlformats.org/drawingml/2006/main" xmlns:r="http://schemas.openxmlformats.org/officeDocument/2006/relationships" xmlns:p="http://schemas.openxmlformats.org/presentationml/2006/main">
   <p:cSld>
     <p:spTree>
@@ -3660,7 +3858,7 @@
             <a:fld id="{19485C6F-9B8D-4FB9-A42B-A9ABFED612B1}" type="slidenum">
               <a:rPr lang="en-US" smtClean="0"/>
               <a:pPr/>
-              <a:t>11</a:t>
+              <a:t>12</a:t>
             </a:fld>
             <a:endParaRPr lang="en-US" dirty="0"/>
           </a:p>
@@ -3738,7 +3936,7 @@
 </p:sld>
 </file>
 
-<file path=ppt/slides/slide12.xml><?xml version="1.0" encoding="utf-8"?>
+<file path=ppt/slides/slide13.xml><?xml version="1.0" encoding="utf-8"?>
 <p:sld xmlns:a="http://schemas.openxmlformats.org/drawingml/2006/main" xmlns:r="http://schemas.openxmlformats.org/officeDocument/2006/relationships" xmlns:p="http://schemas.openxmlformats.org/presentationml/2006/main">
   <p:cSld>
     <p:spTree>
@@ -3837,7 +4035,7 @@
             <a:fld id="{19485C6F-9B8D-4FB9-A42B-A9ABFED612B1}" type="slidenum">
               <a:rPr lang="en-US" smtClean="0"/>
               <a:pPr/>
-              <a:t>12</a:t>
+              <a:t>13</a:t>
             </a:fld>
             <a:endParaRPr lang="en-US" dirty="0"/>
           </a:p>

--- a/crash-course-on-data-science/git.pptx
+++ b/crash-course-on-data-science/git.pptx
@@ -5,7 +5,7 @@
     <p:sldMasterId id="2147483648" r:id="rId1"/>
   </p:sldMasterIdLst>
   <p:notesMasterIdLst>
-    <p:notesMasterId r:id="rId15"/>
+    <p:notesMasterId r:id="rId16"/>
   </p:notesMasterIdLst>
   <p:sldIdLst>
     <p:sldId id="256" r:id="rId2"/>
@@ -17,10 +17,11 @@
     <p:sldId id="266" r:id="rId8"/>
     <p:sldId id="263" r:id="rId9"/>
     <p:sldId id="264" r:id="rId10"/>
-    <p:sldId id="268" r:id="rId11"/>
-    <p:sldId id="265" r:id="rId12"/>
-    <p:sldId id="267" r:id="rId13"/>
-    <p:sldId id="258" r:id="rId14"/>
+    <p:sldId id="269" r:id="rId11"/>
+    <p:sldId id="268" r:id="rId12"/>
+    <p:sldId id="265" r:id="rId13"/>
+    <p:sldId id="267" r:id="rId14"/>
+    <p:sldId id="258" r:id="rId15"/>
   </p:sldIdLst>
   <p:sldSz cx="12192000" cy="6858000"/>
   <p:notesSz cx="6858000" cy="9144000"/>
@@ -3278,7 +3279,7 @@
           <p:cNvPr id="2" name="Titre 1">
             <a:extLst>
               <a:ext uri="{FF2B5EF4-FFF2-40B4-BE49-F238E27FC236}">
-                <a16:creationId xmlns:a16="http://schemas.microsoft.com/office/drawing/2014/main" id="{835067AC-FCB5-424B-807C-FE32EF5F4043}"/>
+                <a16:creationId xmlns:a16="http://schemas.microsoft.com/office/drawing/2014/main" id="{95523E1F-CA01-4C71-80EE-E82CF1E07048}"/>
               </a:ext>
             </a:extLst>
           </p:cNvPr>
@@ -3296,7 +3297,11 @@
           <a:p>
             <a:r>
               <a:rPr lang="en-US" dirty="0"/>
-              <a:t>Advanced use: issues</a:t>
+              <a:t>Advanced use: recover </a:t>
+            </a:r>
+            <a:r>
+              <a:rPr lang="en-US"/>
+              <a:t>previous versions</a:t>
             </a:r>
           </a:p>
         </p:txBody>
@@ -3306,7 +3311,7 @@
           <p:cNvPr id="3" name="Espace réservé du contenu 2">
             <a:extLst>
               <a:ext uri="{FF2B5EF4-FFF2-40B4-BE49-F238E27FC236}">
-                <a16:creationId xmlns:a16="http://schemas.microsoft.com/office/drawing/2014/main" id="{D671135B-EC76-49E5-B0EF-C94150C27436}"/>
+                <a16:creationId xmlns:a16="http://schemas.microsoft.com/office/drawing/2014/main" id="{D8F1EDB1-2113-4FFB-AF66-A93CD1BB6905}"/>
               </a:ext>
             </a:extLst>
           </p:cNvPr>
@@ -3322,32 +3327,7 @@
           <a:bodyPr/>
           <a:lstStyle/>
           <a:p>
-            <a:r>
-              <a:rPr lang="en-US" dirty="0"/>
-              <a:t>This is more of a GitHub use than git</a:t>
-            </a:r>
-          </a:p>
-          <a:p>
-            <a:pPr lvl="1"/>
-            <a:r>
-              <a:rPr lang="en-US" dirty="0"/>
-              <a:t>If you are using a package and you identify a problem</a:t>
-            </a:r>
-          </a:p>
-          <a:p>
-            <a:pPr lvl="1"/>
-            <a:r>
-              <a:rPr lang="en-US" dirty="0"/>
-              <a:t>You can </a:t>
-            </a:r>
-            <a:r>
-              <a:rPr lang="en-US" b="1" dirty="0"/>
-              <a:t>open an issue</a:t>
-            </a:r>
-            <a:r>
-              <a:rPr lang="en-US" dirty="0"/>
-              <a:t> on their repository page</a:t>
-            </a:r>
+            <a:endParaRPr lang="en-US"/>
           </a:p>
         </p:txBody>
       </p:sp>
@@ -3356,7 +3336,7 @@
           <p:cNvPr id="4" name="Espace réservé du numéro de diapositive 3">
             <a:extLst>
               <a:ext uri="{FF2B5EF4-FFF2-40B4-BE49-F238E27FC236}">
-                <a16:creationId xmlns:a16="http://schemas.microsoft.com/office/drawing/2014/main" id="{4685AED7-F173-4E68-9F8B-1099DC90BE4F}"/>
+                <a16:creationId xmlns:a16="http://schemas.microsoft.com/office/drawing/2014/main" id="{AC4E6FFA-E72C-4FE8-B146-F61E0B0D6CC2}"/>
               </a:ext>
             </a:extLst>
           </p:cNvPr>
@@ -3376,6 +3356,173 @@
               <a:rPr lang="en-US" smtClean="0"/>
               <a:pPr/>
               <a:t>10</a:t>
+            </a:fld>
+            <a:endParaRPr lang="en-US" dirty="0"/>
+          </a:p>
+        </p:txBody>
+      </p:sp>
+      <p:sp>
+        <p:nvSpPr>
+          <p:cNvPr id="5" name="Espace réservé du pied de page 4">
+            <a:extLst>
+              <a:ext uri="{FF2B5EF4-FFF2-40B4-BE49-F238E27FC236}">
+                <a16:creationId xmlns:a16="http://schemas.microsoft.com/office/drawing/2014/main" id="{EDD0FDB9-14DB-45D4-9FA7-79DEB455A242}"/>
+              </a:ext>
+            </a:extLst>
+          </p:cNvPr>
+          <p:cNvSpPr>
+            <a:spLocks noGrp="1"/>
+          </p:cNvSpPr>
+          <p:nvPr>
+            <p:ph type="ftr" sz="quarter" idx="3"/>
+          </p:nvPr>
+        </p:nvSpPr>
+        <p:spPr/>
+        <p:txBody>
+          <a:bodyPr/>
+          <a:lstStyle/>
+          <a:p>
+            <a:r>
+              <a:rPr lang="en-US"/>
+              <a:t>alberto.tonda@inrae.fr</a:t>
+            </a:r>
+            <a:endParaRPr lang="en-US" dirty="0"/>
+          </a:p>
+        </p:txBody>
+      </p:sp>
+    </p:spTree>
+    <p:extLst>
+      <p:ext uri="{BB962C8B-B14F-4D97-AF65-F5344CB8AC3E}">
+        <p14:creationId xmlns:p14="http://schemas.microsoft.com/office/powerpoint/2010/main" val="3410623766"/>
+      </p:ext>
+    </p:extLst>
+  </p:cSld>
+  <p:clrMapOvr>
+    <a:masterClrMapping/>
+  </p:clrMapOvr>
+</p:sld>
+</file>
+
+<file path=ppt/slides/slide11.xml><?xml version="1.0" encoding="utf-8"?>
+<p:sld xmlns:a="http://schemas.openxmlformats.org/drawingml/2006/main" xmlns:r="http://schemas.openxmlformats.org/officeDocument/2006/relationships" xmlns:p="http://schemas.openxmlformats.org/presentationml/2006/main">
+  <p:cSld>
+    <p:spTree>
+      <p:nvGrpSpPr>
+        <p:cNvPr id="1" name=""/>
+        <p:cNvGrpSpPr/>
+        <p:nvPr/>
+      </p:nvGrpSpPr>
+      <p:grpSpPr>
+        <a:xfrm>
+          <a:off x="0" y="0"/>
+          <a:ext cx="0" cy="0"/>
+          <a:chOff x="0" y="0"/>
+          <a:chExt cx="0" cy="0"/>
+        </a:xfrm>
+      </p:grpSpPr>
+      <p:sp>
+        <p:nvSpPr>
+          <p:cNvPr id="2" name="Titre 1">
+            <a:extLst>
+              <a:ext uri="{FF2B5EF4-FFF2-40B4-BE49-F238E27FC236}">
+                <a16:creationId xmlns:a16="http://schemas.microsoft.com/office/drawing/2014/main" id="{835067AC-FCB5-424B-807C-FE32EF5F4043}"/>
+              </a:ext>
+            </a:extLst>
+          </p:cNvPr>
+          <p:cNvSpPr>
+            <a:spLocks noGrp="1"/>
+          </p:cNvSpPr>
+          <p:nvPr>
+            <p:ph type="title"/>
+          </p:nvPr>
+        </p:nvSpPr>
+        <p:spPr/>
+        <p:txBody>
+          <a:bodyPr/>
+          <a:lstStyle/>
+          <a:p>
+            <a:r>
+              <a:rPr lang="en-US" dirty="0"/>
+              <a:t>Advanced use: issues</a:t>
+            </a:r>
+          </a:p>
+        </p:txBody>
+      </p:sp>
+      <p:sp>
+        <p:nvSpPr>
+          <p:cNvPr id="3" name="Espace réservé du contenu 2">
+            <a:extLst>
+              <a:ext uri="{FF2B5EF4-FFF2-40B4-BE49-F238E27FC236}">
+                <a16:creationId xmlns:a16="http://schemas.microsoft.com/office/drawing/2014/main" id="{D671135B-EC76-49E5-B0EF-C94150C27436}"/>
+              </a:ext>
+            </a:extLst>
+          </p:cNvPr>
+          <p:cNvSpPr>
+            <a:spLocks noGrp="1"/>
+          </p:cNvSpPr>
+          <p:nvPr>
+            <p:ph idx="1"/>
+          </p:nvPr>
+        </p:nvSpPr>
+        <p:spPr/>
+        <p:txBody>
+          <a:bodyPr/>
+          <a:lstStyle/>
+          <a:p>
+            <a:r>
+              <a:rPr lang="en-US" dirty="0"/>
+              <a:t>This is more of a GitHub use than git</a:t>
+            </a:r>
+          </a:p>
+          <a:p>
+            <a:pPr lvl="1"/>
+            <a:r>
+              <a:rPr lang="en-US" dirty="0"/>
+              <a:t>If you are using a package and you identify a problem</a:t>
+            </a:r>
+          </a:p>
+          <a:p>
+            <a:pPr lvl="1"/>
+            <a:r>
+              <a:rPr lang="en-US" dirty="0"/>
+              <a:t>You can </a:t>
+            </a:r>
+            <a:r>
+              <a:rPr lang="en-US" b="1" dirty="0"/>
+              <a:t>open an issue</a:t>
+            </a:r>
+            <a:r>
+              <a:rPr lang="en-US" dirty="0"/>
+              <a:t> on their repository page</a:t>
+            </a:r>
+          </a:p>
+        </p:txBody>
+      </p:sp>
+      <p:sp>
+        <p:nvSpPr>
+          <p:cNvPr id="4" name="Espace réservé du numéro de diapositive 3">
+            <a:extLst>
+              <a:ext uri="{FF2B5EF4-FFF2-40B4-BE49-F238E27FC236}">
+                <a16:creationId xmlns:a16="http://schemas.microsoft.com/office/drawing/2014/main" id="{4685AED7-F173-4E68-9F8B-1099DC90BE4F}"/>
+              </a:ext>
+            </a:extLst>
+          </p:cNvPr>
+          <p:cNvSpPr>
+            <a:spLocks noGrp="1"/>
+          </p:cNvSpPr>
+          <p:nvPr>
+            <p:ph type="sldNum" sz="quarter" idx="12"/>
+          </p:nvPr>
+        </p:nvSpPr>
+        <p:spPr/>
+        <p:txBody>
+          <a:bodyPr/>
+          <a:lstStyle/>
+          <a:p>
+            <a:fld id="{19485C6F-9B8D-4FB9-A42B-A9ABFED612B1}" type="slidenum">
+              <a:rPr lang="en-US" smtClean="0"/>
+              <a:pPr/>
+              <a:t>11</a:t>
             </a:fld>
             <a:endParaRPr lang="en-US" dirty="0"/>
           </a:p>
@@ -3453,7 +3600,7 @@
 </p:sld>
 </file>
 
-<file path=ppt/slides/slide11.xml><?xml version="1.0" encoding="utf-8"?>
+<file path=ppt/slides/slide12.xml><?xml version="1.0" encoding="utf-8"?>
 <p:sld xmlns:a="http://schemas.openxmlformats.org/drawingml/2006/main" xmlns:r="http://schemas.openxmlformats.org/officeDocument/2006/relationships" xmlns:p="http://schemas.openxmlformats.org/presentationml/2006/main">
   <p:cSld>
     <p:spTree>
@@ -3568,7 +3715,7 @@
             <a:fld id="{19485C6F-9B8D-4FB9-A42B-A9ABFED612B1}" type="slidenum">
               <a:rPr lang="en-US" smtClean="0"/>
               <a:pPr/>
-              <a:t>11</a:t>
+              <a:t>12</a:t>
             </a:fld>
             <a:endParaRPr lang="en-US" dirty="0"/>
           </a:p>
@@ -3676,7 +3823,7 @@
 </p:sld>
 </file>
 
-<file path=ppt/slides/slide12.xml><?xml version="1.0" encoding="utf-8"?>
+<file path=ppt/slides/slide13.xml><?xml version="1.0" encoding="utf-8"?>
 <p:sld xmlns:a="http://schemas.openxmlformats.org/drawingml/2006/main" xmlns:r="http://schemas.openxmlformats.org/officeDocument/2006/relationships" xmlns:p="http://schemas.openxmlformats.org/presentationml/2006/main">
   <p:cSld>
     <p:spTree>
@@ -3858,7 +4005,7 @@
             <a:fld id="{19485C6F-9B8D-4FB9-A42B-A9ABFED612B1}" type="slidenum">
               <a:rPr lang="en-US" smtClean="0"/>
               <a:pPr/>
-              <a:t>12</a:t>
+              <a:t>13</a:t>
             </a:fld>
             <a:endParaRPr lang="en-US" dirty="0"/>
           </a:p>
@@ -3936,7 +4083,7 @@
 </p:sld>
 </file>
 
-<file path=ppt/slides/slide13.xml><?xml version="1.0" encoding="utf-8"?>
+<file path=ppt/slides/slide14.xml><?xml version="1.0" encoding="utf-8"?>
 <p:sld xmlns:a="http://schemas.openxmlformats.org/drawingml/2006/main" xmlns:r="http://schemas.openxmlformats.org/officeDocument/2006/relationships" xmlns:p="http://schemas.openxmlformats.org/presentationml/2006/main">
   <p:cSld>
     <p:spTree>
@@ -4035,7 +4182,7 @@
             <a:fld id="{19485C6F-9B8D-4FB9-A42B-A9ABFED612B1}" type="slidenum">
               <a:rPr lang="en-US" smtClean="0"/>
               <a:pPr/>
-              <a:t>13</a:t>
+              <a:t>14</a:t>
             </a:fld>
             <a:endParaRPr lang="en-US" dirty="0"/>
           </a:p>
